--- a/Trabajo final/presentacion phishing.pptx
+++ b/Trabajo final/presentacion phishing.pptx
@@ -113,6 +113,11 @@
       </a:defRPr>
     </a:lvl9pPr>
   </p:defaultTextStyle>
+  <p:extLst>
+    <p:ext uri="{EFAFB233-063F-42B5-8137-9DF3F51BA10A}">
+      <p15:sldGuideLst xmlns:p15="http://schemas.microsoft.com/office/powerpoint/2012/main"/>
+    </p:ext>
+  </p:extLst>
 </p:presentation>
 </file>
 
@@ -265,7 +270,7 @@
           <a:p>
             <a:fld id="{A92D907E-1711-DC4A-8C56-CF03CE422651}" type="datetimeFigureOut">
               <a:rPr lang="es-UY" smtClean="0"/>
-              <a:t>12/5/20</a:t>
+              <a:t>13/5/20</a:t>
             </a:fld>
             <a:endParaRPr lang="es-UY"/>
           </a:p>
@@ -465,7 +470,7 @@
           <a:p>
             <a:fld id="{A92D907E-1711-DC4A-8C56-CF03CE422651}" type="datetimeFigureOut">
               <a:rPr lang="es-UY" smtClean="0"/>
-              <a:t>12/5/20</a:t>
+              <a:t>13/5/20</a:t>
             </a:fld>
             <a:endParaRPr lang="es-UY"/>
           </a:p>
@@ -675,7 +680,7 @@
           <a:p>
             <a:fld id="{A92D907E-1711-DC4A-8C56-CF03CE422651}" type="datetimeFigureOut">
               <a:rPr lang="es-UY" smtClean="0"/>
-              <a:t>12/5/20</a:t>
+              <a:t>13/5/20</a:t>
             </a:fld>
             <a:endParaRPr lang="es-UY"/>
           </a:p>
@@ -875,7 +880,7 @@
           <a:p>
             <a:fld id="{A92D907E-1711-DC4A-8C56-CF03CE422651}" type="datetimeFigureOut">
               <a:rPr lang="es-UY" smtClean="0"/>
-              <a:t>12/5/20</a:t>
+              <a:t>13/5/20</a:t>
             </a:fld>
             <a:endParaRPr lang="es-UY"/>
           </a:p>
@@ -1151,7 +1156,7 @@
           <a:p>
             <a:fld id="{A92D907E-1711-DC4A-8C56-CF03CE422651}" type="datetimeFigureOut">
               <a:rPr lang="es-UY" smtClean="0"/>
-              <a:t>12/5/20</a:t>
+              <a:t>13/5/20</a:t>
             </a:fld>
             <a:endParaRPr lang="es-UY"/>
           </a:p>
@@ -1419,7 +1424,7 @@
           <a:p>
             <a:fld id="{A92D907E-1711-DC4A-8C56-CF03CE422651}" type="datetimeFigureOut">
               <a:rPr lang="es-UY" smtClean="0"/>
-              <a:t>12/5/20</a:t>
+              <a:t>13/5/20</a:t>
             </a:fld>
             <a:endParaRPr lang="es-UY"/>
           </a:p>
@@ -1834,7 +1839,7 @@
           <a:p>
             <a:fld id="{A92D907E-1711-DC4A-8C56-CF03CE422651}" type="datetimeFigureOut">
               <a:rPr lang="es-UY" smtClean="0"/>
-              <a:t>12/5/20</a:t>
+              <a:t>13/5/20</a:t>
             </a:fld>
             <a:endParaRPr lang="es-UY"/>
           </a:p>
@@ -1976,7 +1981,7 @@
           <a:p>
             <a:fld id="{A92D907E-1711-DC4A-8C56-CF03CE422651}" type="datetimeFigureOut">
               <a:rPr lang="es-UY" smtClean="0"/>
-              <a:t>12/5/20</a:t>
+              <a:t>13/5/20</a:t>
             </a:fld>
             <a:endParaRPr lang="es-UY"/>
           </a:p>
@@ -2089,7 +2094,7 @@
           <a:p>
             <a:fld id="{A92D907E-1711-DC4A-8C56-CF03CE422651}" type="datetimeFigureOut">
               <a:rPr lang="es-UY" smtClean="0"/>
-              <a:t>12/5/20</a:t>
+              <a:t>13/5/20</a:t>
             </a:fld>
             <a:endParaRPr lang="es-UY"/>
           </a:p>
@@ -2402,7 +2407,7 @@
           <a:p>
             <a:fld id="{A92D907E-1711-DC4A-8C56-CF03CE422651}" type="datetimeFigureOut">
               <a:rPr lang="es-UY" smtClean="0"/>
-              <a:t>12/5/20</a:t>
+              <a:t>13/5/20</a:t>
             </a:fld>
             <a:endParaRPr lang="es-UY"/>
           </a:p>
@@ -2691,7 +2696,7 @@
           <a:p>
             <a:fld id="{A92D907E-1711-DC4A-8C56-CF03CE422651}" type="datetimeFigureOut">
               <a:rPr lang="es-UY" smtClean="0"/>
-              <a:t>12/5/20</a:t>
+              <a:t>13/5/20</a:t>
             </a:fld>
             <a:endParaRPr lang="es-UY"/>
           </a:p>
@@ -2934,7 +2939,7 @@
           <a:p>
             <a:fld id="{A92D907E-1711-DC4A-8C56-CF03CE422651}" type="datetimeFigureOut">
               <a:rPr lang="es-UY" smtClean="0"/>
-              <a:t>12/5/20</a:t>
+              <a:t>13/5/20</a:t>
             </a:fld>
             <a:endParaRPr lang="es-UY"/>
           </a:p>
@@ -4578,12 +4583,44 @@
           </a:p>
         </p:txBody>
       </p:sp>
+      <p:sp>
+        <p:nvSpPr>
+          <p:cNvPr id="5" name="CuadroTexto 4">
+            <a:extLst>
+              <a:ext uri="{FF2B5EF4-FFF2-40B4-BE49-F238E27FC236}">
+                <a16:creationId xmlns:a16="http://schemas.microsoft.com/office/drawing/2014/main" id="{D07B50B3-4048-544E-BFDE-90A25FF80130}"/>
+              </a:ext>
+            </a:extLst>
+          </p:cNvPr>
+          <p:cNvSpPr txBox="1"/>
+          <p:nvPr/>
+        </p:nvSpPr>
+        <p:spPr>
+          <a:xfrm>
+            <a:off x="6572250" y="1285875"/>
+            <a:ext cx="184731" cy="369332"/>
+          </a:xfrm>
+          <a:prstGeom prst="rect">
+            <a:avLst/>
+          </a:prstGeom>
+          <a:noFill/>
+        </p:spPr>
+        <p:txBody>
+          <a:bodyPr wrap="none" rtlCol="0">
+            <a:spAutoFit/>
+          </a:bodyPr>
+          <a:lstStyle/>
+          <a:p>
+            <a:endParaRPr lang="es-UY" dirty="0"/>
+          </a:p>
+        </p:txBody>
+      </p:sp>
       <p:graphicFrame>
         <p:nvGraphicFramePr>
-          <p:cNvPr id="4" name="Tabla 3">
-            <a:extLst>
-              <a:ext uri="{FF2B5EF4-FFF2-40B4-BE49-F238E27FC236}">
-                <a16:creationId xmlns:a16="http://schemas.microsoft.com/office/drawing/2014/main" id="{94F7D41E-0F61-C446-829B-3C51C8E1AE42}"/>
+          <p:cNvPr id="6" name="Tabla 5">
+            <a:extLst>
+              <a:ext uri="{FF2B5EF4-FFF2-40B4-BE49-F238E27FC236}">
+                <a16:creationId xmlns:a16="http://schemas.microsoft.com/office/drawing/2014/main" id="{228A08A0-2328-EB41-A904-9B4640699B97}"/>
               </a:ext>
             </a:extLst>
           </p:cNvPr>
@@ -4593,14 +4630,14 @@
           <p:nvPr>
             <p:extLst>
               <p:ext uri="{D42A27DB-BD31-4B8C-83A1-F6EECF244321}">
-                <p14:modId xmlns:p14="http://schemas.microsoft.com/office/powerpoint/2010/main" val="1647136373"/>
+                <p14:modId xmlns:p14="http://schemas.microsoft.com/office/powerpoint/2010/main" val="1005625016"/>
               </p:ext>
             </p:extLst>
           </p:nvPr>
         </p:nvGraphicFramePr>
         <p:xfrm>
-          <a:off x="3401060" y="3064476"/>
-          <a:ext cx="5389880" cy="593124"/>
+          <a:off x="3401060" y="3200399"/>
+          <a:ext cx="5389880" cy="1087394"/>
         </p:xfrm>
         <a:graphic>
           <a:graphicData uri="http://schemas.openxmlformats.org/drawingml/2006/table">
@@ -4612,26 +4649,26 @@
                 <a:gridCol w="1796415">
                   <a:extLst>
                     <a:ext uri="{9D8B030D-6E8A-4147-A177-3AD203B41FA5}">
-                      <a16:colId xmlns:a16="http://schemas.microsoft.com/office/drawing/2014/main" val="722528838"/>
+                      <a16:colId xmlns:a16="http://schemas.microsoft.com/office/drawing/2014/main" val="622545390"/>
                     </a:ext>
                   </a:extLst>
                 </a:gridCol>
                 <a:gridCol w="1796415">
                   <a:extLst>
                     <a:ext uri="{9D8B030D-6E8A-4147-A177-3AD203B41FA5}">
-                      <a16:colId xmlns:a16="http://schemas.microsoft.com/office/drawing/2014/main" val="2922683975"/>
+                      <a16:colId xmlns:a16="http://schemas.microsoft.com/office/drawing/2014/main" val="3982672188"/>
                     </a:ext>
                   </a:extLst>
                 </a:gridCol>
                 <a:gridCol w="1797050">
                   <a:extLst>
                     <a:ext uri="{9D8B030D-6E8A-4147-A177-3AD203B41FA5}">
-                      <a16:colId xmlns:a16="http://schemas.microsoft.com/office/drawing/2014/main" val="498567971"/>
+                      <a16:colId xmlns:a16="http://schemas.microsoft.com/office/drawing/2014/main" val="3354929107"/>
                     </a:ext>
                   </a:extLst>
                 </a:gridCol>
               </a:tblGrid>
-              <a:tr h="174448">
+              <a:tr h="319822">
                 <a:tc>
                   <a:txBody>
                     <a:bodyPr/>
@@ -4643,36 +4680,10 @@
                         </a:spcAft>
                       </a:pPr>
                       <a:r>
-                        <a:rPr lang="es-ES" sz="1000" dirty="0">
+                        <a:rPr lang="es-ES" sz="1000">
                           <a:effectLst/>
                         </a:rPr>
                         <a:t> </a:t>
-                      </a:r>
-                      <a:endParaRPr lang="es-UY" sz="1200" dirty="0">
-                        <a:effectLst/>
-                        <a:latin typeface="Times New Roman" panose="02020603050405020304" pitchFamily="18" charset="0"/>
-                        <a:ea typeface="Times New Roman" panose="02020603050405020304" pitchFamily="18" charset="0"/>
-                        <a:cs typeface="Times New Roman" panose="02020603050405020304" pitchFamily="18" charset="0"/>
-                      </a:endParaRPr>
-                    </a:p>
-                  </a:txBody>
-                  <a:tcPr marL="68580" marR="68580" marT="0" marB="0"/>
-                </a:tc>
-                <a:tc>
-                  <a:txBody>
-                    <a:bodyPr/>
-                    <a:lstStyle/>
-                    <a:p>
-                      <a:pPr>
-                        <a:spcAft>
-                          <a:spcPts val="0"/>
-                        </a:spcAft>
-                      </a:pPr>
-                      <a:r>
-                        <a:rPr lang="es-ES" sz="1000">
-                          <a:effectLst/>
-                        </a:rPr>
-                        <a:t>Gini (Cart)</a:t>
                       </a:r>
                       <a:endParaRPr lang="es-UY" sz="1200">
                         <a:effectLst/>
@@ -4698,113 +4709,7 @@
                         <a:rPr lang="es-ES" sz="1000">
                           <a:effectLst/>
                         </a:rPr>
-                        <a:t>Entropy (C4.5)</a:t>
-                      </a:r>
-                      <a:endParaRPr lang="es-UY" sz="1200">
-                        <a:effectLst/>
-                        <a:latin typeface="Times New Roman" panose="02020603050405020304" pitchFamily="18" charset="0"/>
-                        <a:ea typeface="Times New Roman" panose="02020603050405020304" pitchFamily="18" charset="0"/>
-                        <a:cs typeface="Times New Roman" panose="02020603050405020304" pitchFamily="18" charset="0"/>
-                      </a:endParaRPr>
-                    </a:p>
-                  </a:txBody>
-                  <a:tcPr marL="68580" marR="68580" marT="0" marB="0"/>
-                </a:tc>
-                <a:extLst>
-                  <a:ext uri="{0D108BD9-81ED-4DB2-BD59-A6C34878D82A}">
-                    <a16:rowId xmlns:a16="http://schemas.microsoft.com/office/drawing/2014/main" val="3815422004"/>
-                  </a:ext>
-                </a:extLst>
-              </a:tr>
-              <a:tr h="209338">
-                <a:tc>
-                  <a:txBody>
-                    <a:bodyPr/>
-                    <a:lstStyle/>
-                    <a:p>
-                      <a:pPr>
-                        <a:spcAft>
-                          <a:spcPts val="0"/>
-                        </a:spcAft>
-                      </a:pPr>
-                      <a:r>
-                        <a:rPr lang="es-ES" sz="1000" dirty="0">
-                          <a:effectLst/>
-                        </a:rPr>
-                        <a:t>Train</a:t>
-                      </a:r>
-                      <a:endParaRPr lang="es-UY" sz="1200" dirty="0">
-                        <a:effectLst/>
-                        <a:latin typeface="Times New Roman" panose="02020603050405020304" pitchFamily="18" charset="0"/>
-                        <a:ea typeface="Times New Roman" panose="02020603050405020304" pitchFamily="18" charset="0"/>
-                        <a:cs typeface="Times New Roman" panose="02020603050405020304" pitchFamily="18" charset="0"/>
-                      </a:endParaRPr>
-                    </a:p>
-                  </a:txBody>
-                  <a:tcPr marL="68580" marR="68580" marT="0" marB="0"/>
-                </a:tc>
-                <a:tc>
-                  <a:txBody>
-                    <a:bodyPr/>
-                    <a:lstStyle/>
-                    <a:p>
-                      <a:r>
-                        <a:rPr lang="en-US" sz="1200">
-                          <a:effectLst/>
-                        </a:rPr>
-                        <a:t>99.07271288024427</a:t>
-                      </a:r>
-                      <a:endParaRPr lang="es-UY" sz="1200">
-                        <a:effectLst/>
-                        <a:latin typeface="Calibri" panose="020F0502020204030204" pitchFamily="34" charset="0"/>
-                        <a:cs typeface="Times New Roman" panose="02020603050405020304" pitchFamily="18" charset="0"/>
-                      </a:endParaRPr>
-                    </a:p>
-                  </a:txBody>
-                  <a:tcPr marL="68580" marR="68580" marT="0" marB="0"/>
-                </a:tc>
-                <a:tc>
-                  <a:txBody>
-                    <a:bodyPr/>
-                    <a:lstStyle/>
-                    <a:p>
-                      <a:r>
-                        <a:rPr lang="en-US" sz="1200">
-                          <a:effectLst/>
-                        </a:rPr>
-                        <a:t>99.07271288024427</a:t>
-                      </a:r>
-                      <a:endParaRPr lang="es-UY" sz="1200">
-                        <a:effectLst/>
-                        <a:latin typeface="Calibri" panose="020F0502020204030204" pitchFamily="34" charset="0"/>
-                        <a:cs typeface="Times New Roman" panose="02020603050405020304" pitchFamily="18" charset="0"/>
-                      </a:endParaRPr>
-                    </a:p>
-                  </a:txBody>
-                  <a:tcPr marL="68580" marR="68580" marT="0" marB="0"/>
-                </a:tc>
-                <a:extLst>
-                  <a:ext uri="{0D108BD9-81ED-4DB2-BD59-A6C34878D82A}">
-                    <a16:rowId xmlns:a16="http://schemas.microsoft.com/office/drawing/2014/main" val="4025291132"/>
-                  </a:ext>
-                </a:extLst>
-              </a:tr>
-              <a:tr h="209338">
-                <a:tc>
-                  <a:txBody>
-                    <a:bodyPr/>
-                    <a:lstStyle/>
-                    <a:p>
-                      <a:pPr>
-                        <a:spcAft>
-                          <a:spcPts val="0"/>
-                        </a:spcAft>
-                      </a:pPr>
-                      <a:r>
-                        <a:rPr lang="es-ES" sz="1000">
-                          <a:effectLst/>
-                        </a:rPr>
-                        <a:t>Test</a:t>
+                        <a:t>Gini (Cart)</a:t>
                       </a:r>
                       <a:endParaRPr lang="es-UY" sz="1200">
                         <a:effectLst/>
@@ -4821,11 +4726,70 @@
                     <a:bodyPr/>
                     <a:lstStyle/>
                     <a:p>
+                      <a:pPr>
+                        <a:spcAft>
+                          <a:spcPts val="0"/>
+                        </a:spcAft>
+                      </a:pPr>
+                      <a:r>
+                        <a:rPr lang="es-ES" sz="1000">
+                          <a:effectLst/>
+                        </a:rPr>
+                        <a:t>Entropy (C4.5)</a:t>
+                      </a:r>
+                      <a:endParaRPr lang="es-UY" sz="1200">
+                        <a:effectLst/>
+                        <a:latin typeface="Times New Roman" panose="02020603050405020304" pitchFamily="18" charset="0"/>
+                        <a:ea typeface="Times New Roman" panose="02020603050405020304" pitchFamily="18" charset="0"/>
+                        <a:cs typeface="Times New Roman" panose="02020603050405020304" pitchFamily="18" charset="0"/>
+                      </a:endParaRPr>
+                    </a:p>
+                  </a:txBody>
+                  <a:tcPr marL="68580" marR="68580" marT="0" marB="0"/>
+                </a:tc>
+                <a:extLst>
+                  <a:ext uri="{0D108BD9-81ED-4DB2-BD59-A6C34878D82A}">
+                    <a16:rowId xmlns:a16="http://schemas.microsoft.com/office/drawing/2014/main" val="1766626029"/>
+                  </a:ext>
+                </a:extLst>
+              </a:tr>
+              <a:tr h="383786">
+                <a:tc>
+                  <a:txBody>
+                    <a:bodyPr/>
+                    <a:lstStyle/>
+                    <a:p>
+                      <a:pPr>
+                        <a:spcAft>
+                          <a:spcPts val="0"/>
+                        </a:spcAft>
+                      </a:pPr>
+                      <a:r>
+                        <a:rPr lang="es-ES" sz="1000">
+                          <a:effectLst/>
+                        </a:rPr>
+                        <a:t>Train</a:t>
+                      </a:r>
+                      <a:endParaRPr lang="es-UY" sz="1200">
+                        <a:effectLst/>
+                        <a:latin typeface="Times New Roman" panose="02020603050405020304" pitchFamily="18" charset="0"/>
+                        <a:ea typeface="Times New Roman" panose="02020603050405020304" pitchFamily="18" charset="0"/>
+                        <a:cs typeface="Times New Roman" panose="02020603050405020304" pitchFamily="18" charset="0"/>
+                      </a:endParaRPr>
+                    </a:p>
+                  </a:txBody>
+                  <a:tcPr marL="68580" marR="68580" marT="0" marB="0"/>
+                </a:tc>
+                <a:tc>
+                  <a:txBody>
+                    <a:bodyPr/>
+                    <a:lstStyle/>
+                    <a:p>
                       <a:r>
                         <a:rPr lang="en-US" sz="1200">
                           <a:effectLst/>
                         </a:rPr>
-                        <a:t>96.11035730438715</a:t>
+                        <a:t>99.07271288024427</a:t>
                       </a:r>
                       <a:endParaRPr lang="es-UY" sz="1200">
                         <a:effectLst/>
@@ -4842,10 +4806,83 @@
                     <a:lstStyle/>
                     <a:p>
                       <a:r>
+                        <a:rPr lang="en-US" sz="1200">
+                          <a:effectLst/>
+                        </a:rPr>
+                        <a:t>99.07271288024427</a:t>
+                      </a:r>
+                      <a:endParaRPr lang="es-UY" sz="1200">
+                        <a:effectLst/>
+                        <a:latin typeface="Calibri" panose="020F0502020204030204" pitchFamily="34" charset="0"/>
+                        <a:cs typeface="Times New Roman" panose="02020603050405020304" pitchFamily="18" charset="0"/>
+                      </a:endParaRPr>
+                    </a:p>
+                  </a:txBody>
+                  <a:tcPr marL="68580" marR="68580" marT="0" marB="0"/>
+                </a:tc>
+                <a:extLst>
+                  <a:ext uri="{0D108BD9-81ED-4DB2-BD59-A6C34878D82A}">
+                    <a16:rowId xmlns:a16="http://schemas.microsoft.com/office/drawing/2014/main" val="886034443"/>
+                  </a:ext>
+                </a:extLst>
+              </a:tr>
+              <a:tr h="383786">
+                <a:tc>
+                  <a:txBody>
+                    <a:bodyPr/>
+                    <a:lstStyle/>
+                    <a:p>
+                      <a:pPr>
+                        <a:spcAft>
+                          <a:spcPts val="0"/>
+                        </a:spcAft>
+                      </a:pPr>
+                      <a:r>
+                        <a:rPr lang="es-ES" sz="1000">
+                          <a:effectLst/>
+                        </a:rPr>
+                        <a:t>Test</a:t>
+                      </a:r>
+                      <a:endParaRPr lang="es-UY" sz="1200">
+                        <a:effectLst/>
+                        <a:latin typeface="Times New Roman" panose="02020603050405020304" pitchFamily="18" charset="0"/>
+                        <a:ea typeface="Times New Roman" panose="02020603050405020304" pitchFamily="18" charset="0"/>
+                        <a:cs typeface="Times New Roman" panose="02020603050405020304" pitchFamily="18" charset="0"/>
+                      </a:endParaRPr>
+                    </a:p>
+                  </a:txBody>
+                  <a:tcPr marL="68580" marR="68580" marT="0" marB="0"/>
+                </a:tc>
+                <a:tc>
+                  <a:txBody>
+                    <a:bodyPr/>
+                    <a:lstStyle/>
+                    <a:p>
+                      <a:r>
                         <a:rPr lang="en-US" sz="1200" dirty="0">
                           <a:effectLst/>
                         </a:rPr>
-                        <a:t>96.47218453188603</a:t>
+                        <a:t>96.11035730438715</a:t>
+                      </a:r>
+                      <a:endParaRPr lang="es-UY" sz="1200" dirty="0">
+                        <a:effectLst/>
+                        <a:latin typeface="Calibri" panose="020F0502020204030204" pitchFamily="34" charset="0"/>
+                        <a:cs typeface="Times New Roman" panose="02020603050405020304" pitchFamily="18" charset="0"/>
+                      </a:endParaRPr>
+                    </a:p>
+                  </a:txBody>
+                  <a:tcPr marL="68580" marR="68580" marT="0" marB="0"/>
+                </a:tc>
+                <a:tc>
+                  <a:txBody>
+                    <a:bodyPr/>
+                    <a:lstStyle/>
+                    <a:p>
+                      <a:r>
+                        <a:rPr lang="es-UY" sz="1200" dirty="0">
+                          <a:effectLst/>
+                        </a:rPr>
+                        <a:t>96.20081411126186</a:t>
                       </a:r>
                       <a:endParaRPr lang="es-UY" sz="1200" dirty="0">
                         <a:effectLst/>
@@ -4858,7 +4895,7 @@
                 </a:tc>
                 <a:extLst>
                   <a:ext uri="{0D108BD9-81ED-4DB2-BD59-A6C34878D82A}">
-                    <a16:rowId xmlns:a16="http://schemas.microsoft.com/office/drawing/2014/main" val="2185698732"/>
+                    <a16:rowId xmlns:a16="http://schemas.microsoft.com/office/drawing/2014/main" val="1234679949"/>
                   </a:ext>
                 </a:extLst>
               </a:tr>
@@ -4963,7 +5000,7 @@
             </a:r>
             <a:r>
               <a:rPr lang="es-UY" dirty="0"/>
-              <a:t>s: Train: 98.49598552527424, Test: 95.52238805970148</a:t>
+              <a:t>s: Train: 98.49598552527424, Test: 95.61284486657621 </a:t>
             </a:r>
             <a:r>
               <a:rPr lang="es-UY" dirty="0">
@@ -4979,7 +5016,7 @@
             </a:pPr>
             <a:r>
               <a:rPr lang="es-UY" dirty="0"/>
-              <a:t>   Baja el accuracy(train – 0,5767% y test: - 0,9498%) pero disminuyen a</a:t>
+              <a:t>   Baja el accuracy(train – 0,5767% y test: - 0,5879 %) pero disminuyen a</a:t>
             </a:r>
           </a:p>
           <a:p>
@@ -5097,10 +5134,10 @@
       </p:sp>
       <p:graphicFrame>
         <p:nvGraphicFramePr>
-          <p:cNvPr id="4" name="Tabla 3">
-            <a:extLst>
-              <a:ext uri="{FF2B5EF4-FFF2-40B4-BE49-F238E27FC236}">
-                <a16:creationId xmlns:a16="http://schemas.microsoft.com/office/drawing/2014/main" id="{0BD86AD9-B803-D94B-AEA4-A6629948DC2A}"/>
+          <p:cNvPr id="2" name="Tabla 1">
+            <a:extLst>
+              <a:ext uri="{FF2B5EF4-FFF2-40B4-BE49-F238E27FC236}">
+                <a16:creationId xmlns:a16="http://schemas.microsoft.com/office/drawing/2014/main" id="{F0685ADB-30D9-694A-9D3E-E3CA6A14E62F}"/>
               </a:ext>
             </a:extLst>
           </p:cNvPr>
@@ -5110,14 +5147,14 @@
           <p:nvPr>
             <p:extLst>
               <p:ext uri="{D42A27DB-BD31-4B8C-83A1-F6EECF244321}">
-                <p14:modId xmlns:p14="http://schemas.microsoft.com/office/powerpoint/2010/main" val="1741363796"/>
+                <p14:modId xmlns:p14="http://schemas.microsoft.com/office/powerpoint/2010/main" val="1756996777"/>
               </p:ext>
             </p:extLst>
           </p:nvPr>
         </p:nvGraphicFramePr>
         <p:xfrm>
-          <a:off x="3401060" y="2457450"/>
-          <a:ext cx="5389880" cy="2366802"/>
+          <a:off x="3401060" y="2085975"/>
+          <a:ext cx="6028691" cy="3228973"/>
         </p:xfrm>
         <a:graphic>
           <a:graphicData uri="http://schemas.openxmlformats.org/drawingml/2006/table">
@@ -5126,59 +5163,39 @@
                 <a:tableStyleId>{5C22544A-7EE6-4342-B048-85BDC9FD1C3A}</a:tableStyleId>
               </a:tblPr>
               <a:tblGrid>
-                <a:gridCol w="1796415">
+                <a:gridCol w="2009327">
                   <a:extLst>
                     <a:ext uri="{9D8B030D-6E8A-4147-A177-3AD203B41FA5}">
-                      <a16:colId xmlns:a16="http://schemas.microsoft.com/office/drawing/2014/main" val="1640053446"/>
+                      <a16:colId xmlns:a16="http://schemas.microsoft.com/office/drawing/2014/main" val="3571263935"/>
                     </a:ext>
                   </a:extLst>
                 </a:gridCol>
-                <a:gridCol w="1796415">
+                <a:gridCol w="2009327">
                   <a:extLst>
                     <a:ext uri="{9D8B030D-6E8A-4147-A177-3AD203B41FA5}">
-                      <a16:colId xmlns:a16="http://schemas.microsoft.com/office/drawing/2014/main" val="989829683"/>
+                      <a16:colId xmlns:a16="http://schemas.microsoft.com/office/drawing/2014/main" val="2875216862"/>
                     </a:ext>
                   </a:extLst>
                 </a:gridCol>
-                <a:gridCol w="1797050">
+                <a:gridCol w="2010037">
                   <a:extLst>
                     <a:ext uri="{9D8B030D-6E8A-4147-A177-3AD203B41FA5}">
-                      <a16:colId xmlns:a16="http://schemas.microsoft.com/office/drawing/2014/main" val="1975046885"/>
+                      <a16:colId xmlns:a16="http://schemas.microsoft.com/office/drawing/2014/main" val="1353341579"/>
                     </a:ext>
                   </a:extLst>
                 </a:gridCol>
               </a:tblGrid>
-              <a:tr h="262978">
+              <a:tr h="338901">
                 <a:tc>
                   <a:txBody>
                     <a:bodyPr/>
                     <a:lstStyle/>
                     <a:p>
                       <a:r>
-                        <a:rPr lang="es-UY" sz="1200" dirty="0">
-                          <a:effectLst/>
-                        </a:rPr>
-                        <a:t>Split,Leaf</a:t>
-                      </a:r>
-                      <a:endParaRPr lang="es-UY" sz="1200" dirty="0">
-                        <a:effectLst/>
-                        <a:latin typeface="Calibri" panose="020F0502020204030204" pitchFamily="34" charset="0"/>
-                        <a:cs typeface="Times New Roman" panose="02020603050405020304" pitchFamily="18" charset="0"/>
-                      </a:endParaRPr>
-                    </a:p>
-                  </a:txBody>
-                  <a:tcPr marL="68580" marR="68580" marT="0" marB="0"/>
-                </a:tc>
-                <a:tc>
-                  <a:txBody>
-                    <a:bodyPr/>
-                    <a:lstStyle/>
-                    <a:p>
-                      <a:r>
                         <a:rPr lang="es-UY" sz="1200">
                           <a:effectLst/>
                         </a:rPr>
-                        <a:t>Train</a:t>
+                        <a:t>Split/Leaf</a:t>
                       </a:r>
                       <a:endParaRPr lang="es-UY" sz="1200">
                         <a:effectLst/>
@@ -5198,34 +5215,7 @@
                         <a:rPr lang="es-UY" sz="1200">
                           <a:effectLst/>
                         </a:rPr>
-                        <a:t>Test</a:t>
-                      </a:r>
-                      <a:endParaRPr lang="es-UY" sz="1200">
-                        <a:effectLst/>
-                        <a:latin typeface="Calibri" panose="020F0502020204030204" pitchFamily="34" charset="0"/>
-                        <a:cs typeface="Times New Roman" panose="02020603050405020304" pitchFamily="18" charset="0"/>
-                      </a:endParaRPr>
-                    </a:p>
-                  </a:txBody>
-                  <a:tcPr marL="68580" marR="68580" marT="0" marB="0"/>
-                </a:tc>
-                <a:extLst>
-                  <a:ext uri="{0D108BD9-81ED-4DB2-BD59-A6C34878D82A}">
-                    <a16:rowId xmlns:a16="http://schemas.microsoft.com/office/drawing/2014/main" val="3404038146"/>
-                  </a:ext>
-                </a:extLst>
-              </a:tr>
-              <a:tr h="262978">
-                <a:tc>
-                  <a:txBody>
-                    <a:bodyPr/>
-                    <a:lstStyle/>
-                    <a:p>
-                      <a:r>
-                        <a:rPr lang="es-UY" sz="1200">
-                          <a:effectLst/>
-                        </a:rPr>
-                        <a:t>2,2</a:t>
+                        <a:t>Train</a:t>
                       </a:r>
                       <a:endParaRPr lang="es-UY" sz="1200">
                         <a:effectLst/>
@@ -5245,7 +5235,34 @@
                         <a:rPr lang="es-UY" sz="1200">
                           <a:effectLst/>
                         </a:rPr>
-                        <a:t>97.65916544159222 </a:t>
+                        <a:t>Test</a:t>
+                      </a:r>
+                      <a:endParaRPr lang="es-UY" sz="1200">
+                        <a:effectLst/>
+                        <a:latin typeface="Calibri" panose="020F0502020204030204" pitchFamily="34" charset="0"/>
+                        <a:cs typeface="Times New Roman" panose="02020603050405020304" pitchFamily="18" charset="0"/>
+                      </a:endParaRPr>
+                    </a:p>
+                  </a:txBody>
+                  <a:tcPr marL="68580" marR="68580" marT="0" marB="0"/>
+                </a:tc>
+                <a:extLst>
+                  <a:ext uri="{0D108BD9-81ED-4DB2-BD59-A6C34878D82A}">
+                    <a16:rowId xmlns:a16="http://schemas.microsoft.com/office/drawing/2014/main" val="1508587763"/>
+                  </a:ext>
+                </a:extLst>
+              </a:tr>
+              <a:tr h="338901">
+                <a:tc>
+                  <a:txBody>
+                    <a:bodyPr/>
+                    <a:lstStyle/>
+                    <a:p>
+                      <a:r>
+                        <a:rPr lang="es-UY" sz="1200">
+                          <a:effectLst/>
+                        </a:rPr>
+                        <a:t>2,2</a:t>
                       </a:r>
                       <a:endParaRPr lang="es-UY" sz="1200">
                         <a:effectLst/>
@@ -5265,60 +5282,7 @@
                         <a:rPr lang="es-UY" sz="1200">
                           <a:effectLst/>
                         </a:rPr>
-                        <a:t>94.61781999095432</a:t>
-                      </a:r>
-                      <a:endParaRPr lang="es-UY" sz="1200">
-                        <a:effectLst/>
-                        <a:latin typeface="Calibri" panose="020F0502020204030204" pitchFamily="34" charset="0"/>
-                        <a:cs typeface="Times New Roman" panose="02020603050405020304" pitchFamily="18" charset="0"/>
-                      </a:endParaRPr>
-                    </a:p>
-                  </a:txBody>
-                  <a:tcPr marL="68580" marR="68580" marT="0" marB="0"/>
-                </a:tc>
-                <a:extLst>
-                  <a:ext uri="{0D108BD9-81ED-4DB2-BD59-A6C34878D82A}">
-                    <a16:rowId xmlns:a16="http://schemas.microsoft.com/office/drawing/2014/main" val="651147559"/>
-                  </a:ext>
-                </a:extLst>
-              </a:tr>
-              <a:tr h="262978">
-                <a:tc>
-                  <a:txBody>
-                    <a:bodyPr/>
-                    <a:lstStyle/>
-                    <a:p>
-                      <a:r>
-                        <a:rPr lang="es-UY" sz="1200" dirty="0">
-                          <a:effectLst/>
-                        </a:rPr>
-                        <a:t>2,4</a:t>
-                      </a:r>
-                      <a:endParaRPr lang="es-UY" sz="1200" dirty="0">
-                        <a:effectLst/>
-                        <a:latin typeface="Calibri" panose="020F0502020204030204" pitchFamily="34" charset="0"/>
-                        <a:cs typeface="Times New Roman" panose="02020603050405020304" pitchFamily="18" charset="0"/>
-                      </a:endParaRPr>
-                    </a:p>
-                  </a:txBody>
-                  <a:tcPr marL="68580" marR="68580" marT="0" marB="0"/>
-                </a:tc>
-                <a:tc>
-                  <a:txBody>
-                    <a:bodyPr/>
-                    <a:lstStyle/>
-                    <a:p>
-                      <a:r>
-                        <a:rPr lang="en-US" sz="1200">
-                          <a:effectLst/>
-                        </a:rPr>
-                        <a:t>96.77711183987334</a:t>
-                      </a:r>
-                      <a:r>
-                        <a:rPr lang="es-UY" sz="1200">
-                          <a:effectLst/>
-                        </a:rPr>
-                        <a:t> </a:t>
+                        <a:t>97.65916544159222 </a:t>
                       </a:r>
                       <a:endParaRPr lang="es-UY" sz="1200">
                         <a:effectLst/>
@@ -5335,16 +5299,10 @@
                     <a:lstStyle/>
                     <a:p>
                       <a:r>
-                        <a:rPr lang="en-US" sz="1200">
-                          <a:effectLst/>
-                        </a:rPr>
-                        <a:t>94.34644957033017</a:t>
-                      </a:r>
-                      <a:r>
                         <a:rPr lang="es-UY" sz="1200">
                           <a:effectLst/>
                         </a:rPr>
-                        <a:t> </a:t>
+                        <a:t>94.43690637720489 </a:t>
                       </a:r>
                       <a:endParaRPr lang="es-UY" sz="1200">
                         <a:effectLst/>
@@ -5357,11 +5315,11 @@
                 </a:tc>
                 <a:extLst>
                   <a:ext uri="{0D108BD9-81ED-4DB2-BD59-A6C34878D82A}">
-                    <a16:rowId xmlns:a16="http://schemas.microsoft.com/office/drawing/2014/main" val="768757284"/>
+                    <a16:rowId xmlns:a16="http://schemas.microsoft.com/office/drawing/2014/main" val="36544864"/>
                   </a:ext>
                 </a:extLst>
               </a:tr>
-              <a:tr h="262978">
+              <a:tr h="517765">
                 <a:tc>
                   <a:txBody>
                     <a:bodyPr/>
@@ -5371,7 +5329,7 @@
                         <a:rPr lang="es-UY" sz="1200">
                           <a:effectLst/>
                         </a:rPr>
-                        <a:t>5,1</a:t>
+                        <a:t>2,4</a:t>
                       </a:r>
                       <a:endParaRPr lang="es-UY" sz="1200">
                         <a:effectLst/>
@@ -5391,13 +5349,13 @@
                         <a:rPr lang="en-US" sz="1200">
                           <a:effectLst/>
                         </a:rPr>
-                        <a:t>98.02103358588714</a:t>
+                        <a:t>96. </a:t>
                       </a:r>
                       <a:r>
                         <a:rPr lang="es-UY" sz="1200">
                           <a:effectLst/>
                         </a:rPr>
-                        <a:t> </a:t>
+                        <a:t>79972859889178</a:t>
                       </a:r>
                       <a:endParaRPr lang="es-UY" sz="1200">
                         <a:effectLst/>
@@ -5417,7 +5375,19 @@
                         <a:rPr lang="en-US" sz="1200">
                           <a:effectLst/>
                         </a:rPr>
-                        <a:t>94.93441881501583</a:t>
+                        <a:t>94. </a:t>
+                      </a:r>
+                      <a:r>
+                        <a:rPr lang="es-UY" sz="1200">
+                          <a:effectLst/>
+                        </a:rPr>
+                        <a:t>30122116689282</a:t>
+                      </a:r>
+                      <a:r>
+                        <a:rPr lang="en-US" sz="1200">
+                          <a:effectLst/>
+                        </a:rPr>
+                        <a:t> </a:t>
                       </a:r>
                       <a:r>
                         <a:rPr lang="es-UY" sz="1200">
@@ -5436,11 +5406,11 @@
                 </a:tc>
                 <a:extLst>
                   <a:ext uri="{0D108BD9-81ED-4DB2-BD59-A6C34878D82A}">
-                    <a16:rowId xmlns:a16="http://schemas.microsoft.com/office/drawing/2014/main" val="396144134"/>
+                    <a16:rowId xmlns:a16="http://schemas.microsoft.com/office/drawing/2014/main" val="1567158451"/>
                   </a:ext>
                 </a:extLst>
               </a:tr>
-              <a:tr h="262978">
+              <a:tr h="338901">
                 <a:tc>
                   <a:txBody>
                     <a:bodyPr/>
@@ -5450,7 +5420,7 @@
                         <a:rPr lang="es-UY" sz="1200">
                           <a:effectLst/>
                         </a:rPr>
-                        <a:t>5,2</a:t>
+                        <a:t>5,1</a:t>
                       </a:r>
                       <a:endParaRPr lang="es-UY" sz="1200">
                         <a:effectLst/>
@@ -5467,16 +5437,10 @@
                     <a:lstStyle/>
                     <a:p>
                       <a:r>
-                        <a:rPr lang="en-US" sz="1200">
-                          <a:effectLst/>
-                        </a:rPr>
-                        <a:t>97.59131516453692</a:t>
-                      </a:r>
-                      <a:r>
                         <a:rPr lang="es-UY" sz="1200">
                           <a:effectLst/>
                         </a:rPr>
-                        <a:t> </a:t>
+                        <a:t>97.9984168268687 </a:t>
                       </a:r>
                       <a:endParaRPr lang="es-UY" sz="1200">
                         <a:effectLst/>
@@ -5493,16 +5457,10 @@
                     <a:lstStyle/>
                     <a:p>
                       <a:r>
-                        <a:rPr lang="en-US" sz="1200">
-                          <a:effectLst/>
-                        </a:rPr>
-                        <a:t>94.5273631840796</a:t>
-                      </a:r>
-                      <a:r>
                         <a:rPr lang="es-UY" sz="1200">
                           <a:effectLst/>
                         </a:rPr>
-                        <a:t> </a:t>
+                        <a:t>94.9796472184532 </a:t>
                       </a:r>
                       <a:endParaRPr lang="es-UY" sz="1200">
                         <a:effectLst/>
@@ -5515,11 +5473,11 @@
                 </a:tc>
                 <a:extLst>
                   <a:ext uri="{0D108BD9-81ED-4DB2-BD59-A6C34878D82A}">
-                    <a16:rowId xmlns:a16="http://schemas.microsoft.com/office/drawing/2014/main" val="3057741747"/>
+                    <a16:rowId xmlns:a16="http://schemas.microsoft.com/office/drawing/2014/main" val="3132289329"/>
                   </a:ext>
                 </a:extLst>
               </a:tr>
-              <a:tr h="262978">
+              <a:tr h="338901">
                 <a:tc>
                   <a:txBody>
                     <a:bodyPr/>
@@ -5529,7 +5487,7 @@
                         <a:rPr lang="es-UY" sz="1200">
                           <a:effectLst/>
                         </a:rPr>
-                        <a:t>5,4</a:t>
+                        <a:t>5,2</a:t>
                       </a:r>
                       <a:endParaRPr lang="es-UY" sz="1200">
                         <a:effectLst/>
@@ -5549,13 +5507,13 @@
                         <a:rPr lang="en-US" sz="1200">
                           <a:effectLst/>
                         </a:rPr>
-                        <a:t>96.79972859889178</a:t>
+                        <a:t>97.</a:t>
                       </a:r>
                       <a:r>
                         <a:rPr lang="es-UY" sz="1200">
                           <a:effectLst/>
                         </a:rPr>
-                        <a:t> </a:t>
+                        <a:t>56869840551849</a:t>
                       </a:r>
                       <a:endParaRPr lang="es-UY" sz="1200">
                         <a:effectLst/>
@@ -5575,7 +5533,19 @@
                         <a:rPr lang="en-US" sz="1200">
                           <a:effectLst/>
                         </a:rPr>
-                        <a:t>94.39167797376753</a:t>
+                        <a:t>94. </a:t>
+                      </a:r>
+                      <a:r>
+                        <a:rPr lang="es-UY" sz="1200">
+                          <a:effectLst/>
+                        </a:rPr>
+                        <a:t>48213478064224</a:t>
+                      </a:r>
+                      <a:r>
+                        <a:rPr lang="en-US" sz="1200">
+                          <a:effectLst/>
+                        </a:rPr>
+                        <a:t> </a:t>
                       </a:r>
                       <a:r>
                         <a:rPr lang="es-UY" sz="1200">
@@ -5594,11 +5564,11 @@
                 </a:tc>
                 <a:extLst>
                   <a:ext uri="{0D108BD9-81ED-4DB2-BD59-A6C34878D82A}">
-                    <a16:rowId xmlns:a16="http://schemas.microsoft.com/office/drawing/2014/main" val="1535662433"/>
+                    <a16:rowId xmlns:a16="http://schemas.microsoft.com/office/drawing/2014/main" val="2646536345"/>
                   </a:ext>
                 </a:extLst>
               </a:tr>
-              <a:tr h="262978">
+              <a:tr h="338901">
                 <a:tc>
                   <a:txBody>
                     <a:bodyPr/>
@@ -5608,7 +5578,7 @@
                         <a:rPr lang="es-UY" sz="1200">
                           <a:effectLst/>
                         </a:rPr>
-                        <a:t>10,1</a:t>
+                        <a:t>5,4</a:t>
                       </a:r>
                       <a:endParaRPr lang="es-UY" sz="1200">
                         <a:effectLst/>
@@ -5625,10 +5595,16 @@
                     <a:lstStyle/>
                     <a:p>
                       <a:r>
+                        <a:rPr lang="en-US" sz="1200">
+                          <a:effectLst/>
+                        </a:rPr>
+                        <a:t>96.79972859889178</a:t>
+                      </a:r>
+                      <a:r>
                         <a:rPr lang="es-UY" sz="1200">
                           <a:effectLst/>
                         </a:rPr>
-                        <a:t>97.2972972972973 </a:t>
+                        <a:t> </a:t>
                       </a:r>
                       <a:endParaRPr lang="es-UY" sz="1200">
                         <a:effectLst/>
@@ -5645,10 +5621,16 @@
                     <a:lstStyle/>
                     <a:p>
                       <a:r>
+                        <a:rPr lang="en-US" sz="1200">
+                          <a:effectLst/>
+                        </a:rPr>
+                        <a:t>94. </a:t>
+                      </a:r>
+                      <a:r>
                         <a:rPr lang="es-UY" sz="1200">
                           <a:effectLst/>
                         </a:rPr>
-                        <a:t>94.39167797376753 </a:t>
+                        <a:t>34644957033017 </a:t>
                       </a:r>
                       <a:endParaRPr lang="es-UY" sz="1200">
                         <a:effectLst/>
@@ -5661,11 +5643,11 @@
                 </a:tc>
                 <a:extLst>
                   <a:ext uri="{0D108BD9-81ED-4DB2-BD59-A6C34878D82A}">
-                    <a16:rowId xmlns:a16="http://schemas.microsoft.com/office/drawing/2014/main" val="1919468387"/>
+                    <a16:rowId xmlns:a16="http://schemas.microsoft.com/office/drawing/2014/main" val="3404294587"/>
                   </a:ext>
                 </a:extLst>
               </a:tr>
-              <a:tr h="262978">
+              <a:tr h="338901">
                 <a:tc>
                   <a:txBody>
                     <a:bodyPr/>
@@ -5675,7 +5657,7 @@
                         <a:rPr lang="es-UY" sz="1200">
                           <a:effectLst/>
                         </a:rPr>
-                        <a:t>10,2</a:t>
+                        <a:t>10,1</a:t>
                       </a:r>
                       <a:endParaRPr lang="es-UY" sz="1200">
                         <a:effectLst/>
@@ -5695,7 +5677,7 @@
                         <a:rPr lang="es-UY" sz="1200">
                           <a:effectLst/>
                         </a:rPr>
-                        <a:t>97.11636322514984 </a:t>
+                        <a:t>97.2972972972973 </a:t>
                       </a:r>
                       <a:endParaRPr lang="es-UY" sz="1200">
                         <a:effectLst/>
@@ -5728,11 +5710,11 @@
                 </a:tc>
                 <a:extLst>
                   <a:ext uri="{0D108BD9-81ED-4DB2-BD59-A6C34878D82A}">
-                    <a16:rowId xmlns:a16="http://schemas.microsoft.com/office/drawing/2014/main" val="3886954195"/>
+                    <a16:rowId xmlns:a16="http://schemas.microsoft.com/office/drawing/2014/main" val="3249172700"/>
                   </a:ext>
                 </a:extLst>
               </a:tr>
-              <a:tr h="262978">
+              <a:tr h="338901">
                 <a:tc>
                   <a:txBody>
                     <a:bodyPr/>
@@ -5742,7 +5724,7 @@
                         <a:rPr lang="es-UY" sz="1200">
                           <a:effectLst/>
                         </a:rPr>
-                        <a:t>10,4</a:t>
+                        <a:t>10,2</a:t>
                       </a:r>
                       <a:endParaRPr lang="es-UY" sz="1200">
                         <a:effectLst/>
@@ -5762,7 +5744,7 @@
                         <a:rPr lang="es-UY" sz="1200">
                           <a:effectLst/>
                         </a:rPr>
-                        <a:t>96.70926156281806 </a:t>
+                        <a:t>97.11636322514984 </a:t>
                       </a:r>
                       <a:endParaRPr lang="es-UY" sz="1200">
                         <a:effectLst/>
@@ -5779,6 +5761,73 @@
                     <a:lstStyle/>
                     <a:p>
                       <a:r>
+                        <a:rPr lang="es-UY" sz="1200">
+                          <a:effectLst/>
+                        </a:rPr>
+                        <a:t>94.39167797376753 </a:t>
+                      </a:r>
+                      <a:endParaRPr lang="es-UY" sz="1200">
+                        <a:effectLst/>
+                        <a:latin typeface="Calibri" panose="020F0502020204030204" pitchFamily="34" charset="0"/>
+                        <a:cs typeface="Times New Roman" panose="02020603050405020304" pitchFamily="18" charset="0"/>
+                      </a:endParaRPr>
+                    </a:p>
+                  </a:txBody>
+                  <a:tcPr marL="68580" marR="68580" marT="0" marB="0"/>
+                </a:tc>
+                <a:extLst>
+                  <a:ext uri="{0D108BD9-81ED-4DB2-BD59-A6C34878D82A}">
+                    <a16:rowId xmlns:a16="http://schemas.microsoft.com/office/drawing/2014/main" val="2570359572"/>
+                  </a:ext>
+                </a:extLst>
+              </a:tr>
+              <a:tr h="338901">
+                <a:tc>
+                  <a:txBody>
+                    <a:bodyPr/>
+                    <a:lstStyle/>
+                    <a:p>
+                      <a:r>
+                        <a:rPr lang="es-UY" sz="1200">
+                          <a:effectLst/>
+                        </a:rPr>
+                        <a:t>10,4</a:t>
+                      </a:r>
+                      <a:endParaRPr lang="es-UY" sz="1200">
+                        <a:effectLst/>
+                        <a:latin typeface="Calibri" panose="020F0502020204030204" pitchFamily="34" charset="0"/>
+                        <a:cs typeface="Times New Roman" panose="02020603050405020304" pitchFamily="18" charset="0"/>
+                      </a:endParaRPr>
+                    </a:p>
+                  </a:txBody>
+                  <a:tcPr marL="68580" marR="68580" marT="0" marB="0"/>
+                </a:tc>
+                <a:tc>
+                  <a:txBody>
+                    <a:bodyPr/>
+                    <a:lstStyle/>
+                    <a:p>
+                      <a:r>
+                        <a:rPr lang="es-UY" sz="1200">
+                          <a:effectLst/>
+                        </a:rPr>
+                        <a:t>96.70926156281806 </a:t>
+                      </a:r>
+                      <a:endParaRPr lang="es-UY" sz="1200">
+                        <a:effectLst/>
+                        <a:latin typeface="Calibri" panose="020F0502020204030204" pitchFamily="34" charset="0"/>
+                        <a:cs typeface="Times New Roman" panose="02020603050405020304" pitchFamily="18" charset="0"/>
+                      </a:endParaRPr>
+                    </a:p>
+                  </a:txBody>
+                  <a:tcPr marL="68580" marR="68580" marT="0" marB="0"/>
+                </a:tc>
+                <a:tc>
+                  <a:txBody>
+                    <a:bodyPr/>
+                    <a:lstStyle/>
+                    <a:p>
+                      <a:r>
                         <a:rPr lang="es-UY" sz="1200" dirty="0">
                           <a:effectLst/>
                         </a:rPr>
@@ -5795,7 +5844,7 @@
                 </a:tc>
                 <a:extLst>
                   <a:ext uri="{0D108BD9-81ED-4DB2-BD59-A6C34878D82A}">
-                    <a16:rowId xmlns:a16="http://schemas.microsoft.com/office/drawing/2014/main" val="3738648423"/>
+                    <a16:rowId xmlns:a16="http://schemas.microsoft.com/office/drawing/2014/main" val="795882951"/>
                   </a:ext>
                 </a:extLst>
               </a:tr>
@@ -5920,7 +5969,16 @@
             </a:pPr>
             <a:r>
               <a:rPr lang="es-UY" dirty="0"/>
-              <a:t>   Rendimiento en test mejora un 0.5%, pero perdemos la</a:t>
+              <a:t>   </a:t>
+            </a:r>
+          </a:p>
+          <a:p>
+            <a:pPr marL="0" indent="0">
+              <a:buNone/>
+            </a:pPr>
+            <a:r>
+              <a:rPr lang="es-UY" dirty="0"/>
+              <a:t>   Rendimiento en test mejora un 0.7%, pero perdemos la</a:t>
             </a:r>
           </a:p>
           <a:p>
@@ -5938,7 +5996,7 @@
             </a:pPr>
             <a:r>
               <a:rPr lang="es-UY" dirty="0"/>
-              <a:t>   una solución más compleja</a:t>
+              <a:t>   una solución más compleja. Nos preguntamos: vale la pena?</a:t>
             </a:r>
             <a:endParaRPr lang="es-ES" dirty="0"/>
           </a:p>
@@ -5946,10 +6004,10 @@
       </p:sp>
       <p:graphicFrame>
         <p:nvGraphicFramePr>
-          <p:cNvPr id="4" name="Tabla 3">
-            <a:extLst>
-              <a:ext uri="{FF2B5EF4-FFF2-40B4-BE49-F238E27FC236}">
-                <a16:creationId xmlns:a16="http://schemas.microsoft.com/office/drawing/2014/main" id="{D72334BD-1C8C-AB47-8CEF-31B17327B192}"/>
+          <p:cNvPr id="5" name="Tabla 4">
+            <a:extLst>
+              <a:ext uri="{FF2B5EF4-FFF2-40B4-BE49-F238E27FC236}">
+                <a16:creationId xmlns:a16="http://schemas.microsoft.com/office/drawing/2014/main" id="{8E1CA659-0EDA-D247-B7ED-3EB0C6433946}"/>
               </a:ext>
             </a:extLst>
           </p:cNvPr>
@@ -5959,14 +6017,14 @@
           <p:nvPr>
             <p:extLst>
               <p:ext uri="{D42A27DB-BD31-4B8C-83A1-F6EECF244321}">
-                <p14:modId xmlns:p14="http://schemas.microsoft.com/office/powerpoint/2010/main" val="2081811480"/>
+                <p14:modId xmlns:p14="http://schemas.microsoft.com/office/powerpoint/2010/main" val="257474634"/>
               </p:ext>
             </p:extLst>
           </p:nvPr>
         </p:nvGraphicFramePr>
         <p:xfrm>
-          <a:off x="3401060" y="2700338"/>
-          <a:ext cx="5389880" cy="858409"/>
+          <a:off x="3401060" y="2886074"/>
+          <a:ext cx="5389880" cy="1085852"/>
         </p:xfrm>
         <a:graphic>
           <a:graphicData uri="http://schemas.openxmlformats.org/drawingml/2006/table">
@@ -5978,26 +6036,26 @@
                 <a:gridCol w="1796415">
                   <a:extLst>
                     <a:ext uri="{9D8B030D-6E8A-4147-A177-3AD203B41FA5}">
-                      <a16:colId xmlns:a16="http://schemas.microsoft.com/office/drawing/2014/main" val="1687902640"/>
+                      <a16:colId xmlns:a16="http://schemas.microsoft.com/office/drawing/2014/main" val="2641482276"/>
                     </a:ext>
                   </a:extLst>
                 </a:gridCol>
                 <a:gridCol w="1796415">
                   <a:extLst>
                     <a:ext uri="{9D8B030D-6E8A-4147-A177-3AD203B41FA5}">
-                      <a16:colId xmlns:a16="http://schemas.microsoft.com/office/drawing/2014/main" val="1871301468"/>
+                      <a16:colId xmlns:a16="http://schemas.microsoft.com/office/drawing/2014/main" val="760544666"/>
                     </a:ext>
                   </a:extLst>
                 </a:gridCol>
                 <a:gridCol w="1797050">
                   <a:extLst>
                     <a:ext uri="{9D8B030D-6E8A-4147-A177-3AD203B41FA5}">
-                      <a16:colId xmlns:a16="http://schemas.microsoft.com/office/drawing/2014/main" val="3250478781"/>
+                      <a16:colId xmlns:a16="http://schemas.microsoft.com/office/drawing/2014/main" val="2338127188"/>
                     </a:ext>
                   </a:extLst>
                 </a:gridCol>
               </a:tblGrid>
-              <a:tr h="252473">
+              <a:tr h="319368">
                 <a:tc>
                   <a:txBody>
                     <a:bodyPr/>
@@ -6078,11 +6136,11 @@
                 </a:tc>
                 <a:extLst>
                   <a:ext uri="{0D108BD9-81ED-4DB2-BD59-A6C34878D82A}">
-                    <a16:rowId xmlns:a16="http://schemas.microsoft.com/office/drawing/2014/main" val="208017348"/>
+                    <a16:rowId xmlns:a16="http://schemas.microsoft.com/office/drawing/2014/main" val="3838183467"/>
                   </a:ext>
                 </a:extLst>
               </a:tr>
-              <a:tr h="302968">
+              <a:tr h="383242">
                 <a:tc>
                   <a:txBody>
                     <a:bodyPr/>
@@ -6115,12 +6173,12 @@
                     <a:lstStyle/>
                     <a:p>
                       <a:r>
-                        <a:rPr lang="es-UY" sz="1200">
+                        <a:rPr lang="es-UY" sz="1200" dirty="0">
                           <a:effectLst/>
                         </a:rPr>
                         <a:t>99.07271288024427 </a:t>
                       </a:r>
-                      <a:endParaRPr lang="es-UY" sz="1200">
+                      <a:endParaRPr lang="es-UY" sz="1200" dirty="0">
                         <a:effectLst/>
                         <a:latin typeface="Calibri" panose="020F0502020204030204" pitchFamily="34" charset="0"/>
                         <a:cs typeface="Times New Roman" panose="02020603050405020304" pitchFamily="18" charset="0"/>
@@ -6151,11 +6209,11 @@
                 </a:tc>
                 <a:extLst>
                   <a:ext uri="{0D108BD9-81ED-4DB2-BD59-A6C34878D82A}">
-                    <a16:rowId xmlns:a16="http://schemas.microsoft.com/office/drawing/2014/main" val="2114134815"/>
+                    <a16:rowId xmlns:a16="http://schemas.microsoft.com/office/drawing/2014/main" val="2944927918"/>
                   </a:ext>
                 </a:extLst>
               </a:tr>
-              <a:tr h="302968">
+              <a:tr h="383242">
                 <a:tc>
                   <a:txBody>
                     <a:bodyPr/>
@@ -6224,7 +6282,7 @@
                 </a:tc>
                 <a:extLst>
                   <a:ext uri="{0D108BD9-81ED-4DB2-BD59-A6C34878D82A}">
-                    <a16:rowId xmlns:a16="http://schemas.microsoft.com/office/drawing/2014/main" val="4262919865"/>
+                    <a16:rowId xmlns:a16="http://schemas.microsoft.com/office/drawing/2014/main" val="1767953859"/>
                   </a:ext>
                 </a:extLst>
               </a:tr>
@@ -6378,7 +6436,7 @@
             </a:pPr>
             <a:r>
               <a:rPr lang="es-UY" dirty="0"/>
-              <a:t>   Resultado: Train: 99.07271288024427, Test: 96.96969696969697</a:t>
+              <a:t>   Resultado: Train: 99.07271288024427, Test: 96.92446856625962 </a:t>
             </a:r>
             <a:r>
               <a:rPr lang="es-UY" dirty="0">
@@ -6465,7 +6523,7 @@
             </a:pPr>
             <a:r>
               <a:rPr lang="es-UY" dirty="0"/>
-              <a:t>   Test: 96.33649932157394(0,6632% menos)</a:t>
+              <a:t>   Test: 96.11035730438715 (0,8141% menos)</a:t>
             </a:r>
             <a:r>
               <a:rPr lang="es-UY" dirty="0">
